--- a/datos_grupo_jesus_rondon.pptx
+++ b/datos_grupo_jesus_rondon.pptx
@@ -3372,14 +3372,14 @@
             <p:ph idx="4294967295"/>
             <p:extLst>
               <p:ext uri="{D42A27DB-BD31-4B8C-83A1-F6EECF244321}">
-                <p14:modId xmlns:p14="http://schemas.microsoft.com/office/powerpoint/2010/main" val="4244561528"/>
+                <p14:modId xmlns:p14="http://schemas.microsoft.com/office/powerpoint/2010/main" val="3938063504"/>
               </p:ext>
             </p:extLst>
           </p:nvPr>
         </p:nvGraphicFramePr>
         <p:xfrm>
-          <a:off x="498835" y="2118339"/>
-          <a:ext cx="11232490" cy="3771352"/>
+          <a:off x="498835" y="3158574"/>
+          <a:ext cx="11232490" cy="1592730"/>
         </p:xfrm>
         <a:graphic>
           <a:graphicData uri="http://schemas.openxmlformats.org/drawingml/2006/table">
@@ -3605,7 +3605,7 @@
                       <a:pPr lvl="0"/>
                       <a:r>
                         <a:rPr lang="es-PE" sz="1600" dirty="0"/>
-                        <a:t>Juan Palacios Solís</a:t>
+                        <a:t>Jesús Rondón Puente</a:t>
                       </a:r>
                     </a:p>
                   </a:txBody>
@@ -3617,7 +3617,10 @@
                     <a:lstStyle/>
                     <a:p>
                       <a:pPr algn="ctr"/>
-                      <a:endParaRPr lang="es-PE" sz="1600" dirty="0"/>
+                      <a:r>
+                        <a:rPr lang="es-PE" sz="1600" dirty="0"/>
+                        <a:t>SI</a:t>
+                      </a:r>
                     </a:p>
                   </a:txBody>
                   <a:tcPr marL="76901" marR="76901" marT="38451" marB="38451" anchor="ctr"/>
@@ -3657,305 +3660,6 @@
                   </a:ext>
                 </a:extLst>
               </a:tr>
-              <a:tr h="714637">
-                <a:tc>
-                  <a:txBody>
-                    <a:bodyPr/>
-                    <a:lstStyle/>
-                    <a:p>
-                      <a:pPr lvl="0"/>
-                      <a:r>
-                        <a:rPr lang="es-PE" sz="1600" dirty="0"/>
-                        <a:t>Luis Ortiz Ramírez</a:t>
-                      </a:r>
-                    </a:p>
-                  </a:txBody>
-                  <a:tcPr marL="76901" marR="76901" marT="38451" marB="38451" anchor="ctr"/>
-                </a:tc>
-                <a:tc>
-                  <a:txBody>
-                    <a:bodyPr/>
-                    <a:lstStyle/>
-                    <a:p>
-                      <a:pPr algn="ctr"/>
-                      <a:endParaRPr lang="es-PE" sz="1600" dirty="0"/>
-                    </a:p>
-                  </a:txBody>
-                  <a:tcPr marL="76901" marR="76901" marT="38451" marB="38451" anchor="ctr"/>
-                </a:tc>
-                <a:tc>
-                  <a:txBody>
-                    <a:bodyPr/>
-                    <a:lstStyle/>
-                    <a:p>
-                      <a:pPr algn="ctr"/>
-                      <a:r>
-                        <a:rPr lang="es-PE" sz="1600" dirty="0">
-                          <a:solidFill>
-                            <a:srgbClr val="FF0000"/>
-                          </a:solidFill>
-                        </a:rPr>
-                        <a:t>50%</a:t>
-                      </a:r>
-                    </a:p>
-                  </a:txBody>
-                  <a:tcPr marL="76901" marR="76901" marT="38451" marB="38451" anchor="ctr"/>
-                </a:tc>
-                <a:tc>
-                  <a:txBody>
-                    <a:bodyPr/>
-                    <a:lstStyle/>
-                    <a:p>
-                      <a:pPr algn="l"/>
-                      <a:r>
-                        <a:rPr lang="es-PE" sz="1600" dirty="0"/>
-                        <a:t>Envió sólo la mitad de su avance acordado en hojas de estilos. Tuvimos que completar su parte.</a:t>
-                      </a:r>
-                    </a:p>
-                  </a:txBody>
-                  <a:tcPr marL="76901" marR="76901" marT="38451" marB="38451" anchor="ctr"/>
-                </a:tc>
-                <a:extLst>
-                  <a:ext uri="{0D108BD9-81ED-4DB2-BD59-A6C34878D82A}">
-                    <a16:rowId xmlns:a16="http://schemas.microsoft.com/office/drawing/2014/main" val="3524749152"/>
-                  </a:ext>
-                </a:extLst>
-              </a:tr>
-              <a:tr h="379768">
-                <a:tc>
-                  <a:txBody>
-                    <a:bodyPr/>
-                    <a:lstStyle/>
-                    <a:p>
-                      <a:pPr lvl="0"/>
-                      <a:r>
-                        <a:rPr lang="es-PE" sz="1600" dirty="0"/>
-                        <a:t>Ana de la Rivera Sánchez</a:t>
-                      </a:r>
-                    </a:p>
-                  </a:txBody>
-                  <a:tcPr marL="76901" marR="76901" marT="38451" marB="38451" anchor="ctr"/>
-                </a:tc>
-                <a:tc>
-                  <a:txBody>
-                    <a:bodyPr/>
-                    <a:lstStyle/>
-                    <a:p>
-                      <a:pPr algn="ctr"/>
-                      <a:endParaRPr lang="es-PE" sz="1600" dirty="0"/>
-                    </a:p>
-                  </a:txBody>
-                  <a:tcPr marL="76901" marR="76901" marT="38451" marB="38451" anchor="ctr"/>
-                </a:tc>
-                <a:tc>
-                  <a:txBody>
-                    <a:bodyPr/>
-                    <a:lstStyle/>
-                    <a:p>
-                      <a:pPr algn="ctr"/>
-                      <a:r>
-                        <a:rPr lang="es-PE" sz="1600" dirty="0"/>
-                        <a:t>100%</a:t>
-                      </a:r>
-                    </a:p>
-                  </a:txBody>
-                  <a:tcPr marL="76901" marR="76901" marT="38451" marB="38451" anchor="ctr"/>
-                </a:tc>
-                <a:tc>
-                  <a:txBody>
-                    <a:bodyPr/>
-                    <a:lstStyle/>
-                    <a:p>
-                      <a:pPr marL="0" marR="0" lvl="0" indent="0" algn="l" defTabSz="914400" rtl="0" eaLnBrk="1" fontAlgn="auto" latinLnBrk="0" hangingPunct="1">
-                        <a:lnSpc>
-                          <a:spcPct val="100000"/>
-                        </a:lnSpc>
-                        <a:spcBef>
-                          <a:spcPts val="0"/>
-                        </a:spcBef>
-                        <a:spcAft>
-                          <a:spcPts val="0"/>
-                        </a:spcAft>
-                        <a:buClrTx/>
-                        <a:buSzTx/>
-                        <a:buFontTx/>
-                        <a:buNone/>
-                        <a:tabLst/>
-                        <a:defRPr/>
-                      </a:pPr>
-                      <a:r>
-                        <a:rPr lang="es-ES" sz="1600" dirty="0"/>
-                        <a:t>Cumplió con todas sus actividades.</a:t>
-                      </a:r>
-                      <a:endParaRPr lang="es-PE" sz="1600" dirty="0"/>
-                    </a:p>
-                  </a:txBody>
-                  <a:tcPr marL="76901" marR="76901" marT="38451" marB="38451" anchor="ctr"/>
-                </a:tc>
-                <a:extLst>
-                  <a:ext uri="{0D108BD9-81ED-4DB2-BD59-A6C34878D82A}">
-                    <a16:rowId xmlns:a16="http://schemas.microsoft.com/office/drawing/2014/main" val="2106793615"/>
-                  </a:ext>
-                </a:extLst>
-              </a:tr>
-              <a:tr h="704449">
-                <a:tc>
-                  <a:txBody>
-                    <a:bodyPr/>
-                    <a:lstStyle/>
-                    <a:p>
-                      <a:pPr lvl="0"/>
-                      <a:r>
-                        <a:rPr lang="es-PE" sz="1600" dirty="0"/>
-                        <a:t>Juan Pablo Ramos Vélez</a:t>
-                      </a:r>
-                    </a:p>
-                  </a:txBody>
-                  <a:tcPr marL="76901" marR="76901" marT="38451" marB="38451" anchor="ctr"/>
-                </a:tc>
-                <a:tc>
-                  <a:txBody>
-                    <a:bodyPr/>
-                    <a:lstStyle/>
-                    <a:p>
-                      <a:pPr algn="ctr"/>
-                      <a:endParaRPr lang="es-PE" sz="1600" dirty="0"/>
-                    </a:p>
-                  </a:txBody>
-                  <a:tcPr marL="76901" marR="76901" marT="38451" marB="38451" anchor="ctr"/>
-                </a:tc>
-                <a:tc>
-                  <a:txBody>
-                    <a:bodyPr/>
-                    <a:lstStyle/>
-                    <a:p>
-                      <a:pPr algn="ctr"/>
-                      <a:r>
-                        <a:rPr lang="es-PE" sz="1600" dirty="0">
-                          <a:solidFill>
-                            <a:srgbClr val="FF0000"/>
-                          </a:solidFill>
-                        </a:rPr>
-                        <a:t>0% (NO PARTICIPÓ)</a:t>
-                      </a:r>
-                    </a:p>
-                  </a:txBody>
-                  <a:tcPr marL="76901" marR="76901" marT="38451" marB="38451" anchor="ctr"/>
-                </a:tc>
-                <a:tc>
-                  <a:txBody>
-                    <a:bodyPr/>
-                    <a:lstStyle/>
-                    <a:p>
-                      <a:pPr algn="l"/>
-                      <a:r>
-                        <a:rPr lang="es-PE" sz="1600" dirty="0"/>
-                        <a:t>No respondió los correos ni </a:t>
-                      </a:r>
-                      <a:r>
-                        <a:rPr lang="es-PE" sz="1600"/>
-                        <a:t>el WhatsApp, </a:t>
-                      </a:r>
-                      <a:r>
-                        <a:rPr lang="es-PE" sz="1600" dirty="0"/>
-                        <a:t>a pesar de haber aceptado la parte que se </a:t>
-                      </a:r>
-                      <a:r>
-                        <a:rPr lang="es-PE" sz="1600"/>
-                        <a:t>le asignó.</a:t>
-                      </a:r>
-                      <a:endParaRPr lang="es-PE" sz="1600" dirty="0"/>
-                    </a:p>
-                  </a:txBody>
-                  <a:tcPr marL="76901" marR="76901" marT="38451" marB="38451" anchor="ctr"/>
-                </a:tc>
-                <a:extLst>
-                  <a:ext uri="{0D108BD9-81ED-4DB2-BD59-A6C34878D82A}">
-                    <a16:rowId xmlns:a16="http://schemas.microsoft.com/office/drawing/2014/main" val="186962412"/>
-                  </a:ext>
-                </a:extLst>
-              </a:tr>
-              <a:tr h="379768">
-                <a:tc>
-                  <a:txBody>
-                    <a:bodyPr/>
-                    <a:lstStyle/>
-                    <a:p>
-                      <a:pPr lvl="0"/>
-                      <a:r>
-                        <a:rPr lang="es-PE" sz="1600" dirty="0"/>
-                        <a:t>Pedro Sotomayor Velarde</a:t>
-                      </a:r>
-                    </a:p>
-                  </a:txBody>
-                  <a:tcPr marL="76901" marR="76901" marT="38451" marB="38451" anchor="ctr"/>
-                </a:tc>
-                <a:tc>
-                  <a:txBody>
-                    <a:bodyPr/>
-                    <a:lstStyle/>
-                    <a:p>
-                      <a:pPr algn="ctr"/>
-                      <a:r>
-                        <a:rPr lang="es-ES" sz="1600" dirty="0"/>
-                        <a:t>SI</a:t>
-                      </a:r>
-                      <a:endParaRPr lang="es-PE" sz="1600" dirty="0"/>
-                    </a:p>
-                  </a:txBody>
-                  <a:tcPr marL="76901" marR="76901" marT="38451" marB="38451" anchor="ctr"/>
-                </a:tc>
-                <a:tc>
-                  <a:txBody>
-                    <a:bodyPr/>
-                    <a:lstStyle/>
-                    <a:p>
-                      <a:pPr algn="ctr"/>
-                      <a:r>
-                        <a:rPr lang="es-PE" sz="1600" dirty="0"/>
-                        <a:t>100%</a:t>
-                      </a:r>
-                    </a:p>
-                  </a:txBody>
-                  <a:tcPr marL="76901" marR="76901" marT="38451" marB="38451" anchor="ctr"/>
-                </a:tc>
-                <a:tc>
-                  <a:txBody>
-                    <a:bodyPr/>
-                    <a:lstStyle/>
-                    <a:p>
-                      <a:pPr marL="0" marR="0" lvl="0" indent="0" algn="l" defTabSz="914400" rtl="0" eaLnBrk="1" fontAlgn="auto" latinLnBrk="0" hangingPunct="1">
-                        <a:lnSpc>
-                          <a:spcPct val="100000"/>
-                        </a:lnSpc>
-                        <a:spcBef>
-                          <a:spcPts val="0"/>
-                        </a:spcBef>
-                        <a:spcAft>
-                          <a:spcPts val="0"/>
-                        </a:spcAft>
-                        <a:buClrTx/>
-                        <a:buSzTx/>
-                        <a:buFontTx/>
-                        <a:buNone/>
-                        <a:tabLst/>
-                        <a:defRPr/>
-                      </a:pPr>
-                      <a:r>
-                        <a:rPr lang="es-ES" sz="1600" dirty="0"/>
-                        <a:t>Cumplió con todas sus actividades.</a:t>
-                      </a:r>
-                      <a:endParaRPr lang="es-PE" sz="1600" dirty="0"/>
-                    </a:p>
-                  </a:txBody>
-                  <a:tcPr marL="76901" marR="76901" marT="38451" marB="38451" anchor="ctr"/>
-                </a:tc>
-                <a:extLst>
-                  <a:ext uri="{0D108BD9-81ED-4DB2-BD59-A6C34878D82A}">
-                    <a16:rowId xmlns:a16="http://schemas.microsoft.com/office/drawing/2014/main" val="75158255"/>
-                  </a:ext>
-                </a:extLst>
-              </a:tr>
             </a:tbl>
           </a:graphicData>
         </a:graphic>
@@ -3975,14 +3679,14 @@
           <p:nvPr>
             <p:extLst>
               <p:ext uri="{D42A27DB-BD31-4B8C-83A1-F6EECF244321}">
-                <p14:modId xmlns:p14="http://schemas.microsoft.com/office/powerpoint/2010/main" val="2989091779"/>
+                <p14:modId xmlns:p14="http://schemas.microsoft.com/office/powerpoint/2010/main" val="1259558953"/>
               </p:ext>
             </p:extLst>
           </p:nvPr>
         </p:nvGraphicFramePr>
         <p:xfrm>
           <a:off x="498835" y="134997"/>
-          <a:ext cx="11232490" cy="1939465"/>
+          <a:ext cx="11232490" cy="2286000"/>
         </p:xfrm>
         <a:graphic>
           <a:graphicData uri="http://schemas.openxmlformats.org/drawingml/2006/table">
@@ -4062,7 +3766,7 @@
                     <a:p>
                       <a:r>
                         <a:rPr lang="es-ES" dirty="0"/>
-                        <a:t>2355</a:t>
+                        <a:t>1860</a:t>
                       </a:r>
                     </a:p>
                   </a:txBody>
@@ -4095,7 +3799,15 @@
                     <a:p>
                       <a:r>
                         <a:rPr lang="es-ES" dirty="0"/>
-                        <a:t>Clínica Oftalmológica Multivisión</a:t>
+                        <a:t>Web guía de ejercicios – </a:t>
+                      </a:r>
+                      <a:r>
+                        <a:rPr lang="es-ES" dirty="0" err="1"/>
+                        <a:t>Fit</a:t>
+                      </a:r>
+                      <a:r>
+                        <a:rPr lang="es-ES" dirty="0"/>
+                        <a:t> Guide</a:t>
                       </a:r>
                     </a:p>
                   </a:txBody>
@@ -4107,7 +3819,7 @@
                   </a:ext>
                 </a:extLst>
               </a:tr>
-              <a:tr h="365075">
+              <a:tr h="0">
                 <a:tc>
                   <a:txBody>
                     <a:bodyPr/>
@@ -4127,8 +3839,8 @@
                     <a:lstStyle/>
                     <a:p>
                       <a:r>
-                        <a:rPr lang="es-ES" dirty="0"/>
-                        <a:t>https://www.demo.unitemplates.com/medico/index.php/home-ophthalmology</a:t>
+                        <a:rPr lang="es-ES" sz="1200" dirty="0"/>
+                        <a:t>https://preview.themeforest.net/item/tshivaga-yoga-studio-training-center-fse-wordpress-theme/full_screen_preview/57766441?_ga=2.151963696.860219066.1750393242-1623626047.1746196527&amp;_gac=1.61105758.1750393242.CjwKCAjw6s7CBhACEiwAuHQckiOnFyfNHXTu6_dZcRwGZhmDB4TNbqJNLGPEUAkDIQqCUWDFNk1uwhoCZ6AQAvD_BwE</a:t>
                       </a:r>
                     </a:p>
                   </a:txBody>
@@ -4140,7 +3852,7 @@
                   </a:ext>
                 </a:extLst>
               </a:tr>
-              <a:tr h="476425">
+              <a:tr h="0">
                 <a:tc>
                   <a:txBody>
                     <a:bodyPr/>
@@ -4161,7 +3873,7 @@
                     <a:p>
                       <a:r>
                         <a:rPr lang="es-ES" dirty="0"/>
-                        <a:t>https://pa3_rodasleon.netlify.app</a:t>
+                        <a:t>https://pa3-rondon-jesus.netlify.app/</a:t>
                       </a:r>
                     </a:p>
                   </a:txBody>
